--- a/clinical-research-methodology/results/video09b-five-case-studies.pptx
+++ b/clinical-research-methodology/results/video09b-five-case-studies.pptx
@@ -57732,6 +57732,22 @@
             <a:pPr lvl="0" marL="0" indent="0">
               <a:buNone/>
             </a:pPr>
+            <a:r>
+              <a:rPr/>
+              <a:t>Video09b</a:t>
+            </a:r>
+            <a:r>
+              <a:rPr/>
+              <a:t> </a:t>
+            </a:r>
+            <a:r>
+              <a:rPr/>
+              <a:t>-</a:t>
+            </a:r>
+            <a:r>
+              <a:rPr/>
+              <a:t> </a:t>
+            </a:r>
             <a:r>
               <a:rPr/>
               <a:t>Practical</a:t>

--- a/clinical-research-methodology/results/video09b-five-case-studies.pptx
+++ b/clinical-research-methodology/results/video09b-five-case-studies.pptx
@@ -1,6 +1,6 @@
 
 <file path=ppt/presentation.xml><?xml version="1.0" encoding="utf-8"?>
-<p:presentation xmlns:a="http://schemas.openxmlformats.org/drawingml/2006/main" xmlns:r="http://schemas.openxmlformats.org/officeDocument/2006/relationships" xmlns:p="http://schemas.openxmlformats.org/presentationml/2006/main" saveSubsetFonts="1" autoCompressPictures="0">
+<p:presentation xmlns:a="http://schemas.openxmlformats.org/drawingml/2006/main" xmlns:p="http://schemas.openxmlformats.org/presentationml/2006/main" xmlns:r="http://schemas.openxmlformats.org/officeDocument/2006/relationships" autoCompressPictures="0" saveSubsetFonts="1">
   <p:sldMasterIdLst>
     <p:sldMasterId id="2147483648" r:id="rId1"/>
   </p:sldMasterIdLst>
@@ -81,8 +81,8 @@
     <a:defPPr>
       <a:defRPr lang="en-US"/>
     </a:defPPr>
-    <a:lvl1pPr marL="0" algn="l" defTabSz="457200" rtl="0" eaLnBrk="1" latinLnBrk="0" hangingPunct="1">
-      <a:defRPr sz="1800" kern="1200">
+    <a:lvl1pPr algn="l" defTabSz="457200" eaLnBrk="1" hangingPunct="1" latinLnBrk="0" marL="0" rtl="0">
+      <a:defRPr kern="1200" sz="1800">
         <a:solidFill>
           <a:schemeClr val="tx1"/>
         </a:solidFill>
@@ -91,8 +91,8 @@
         <a:cs typeface="+mn-cs"/>
       </a:defRPr>
     </a:lvl1pPr>
-    <a:lvl2pPr marL="457200" algn="l" defTabSz="457200" rtl="0" eaLnBrk="1" latinLnBrk="0" hangingPunct="1">
-      <a:defRPr sz="1800" kern="1200">
+    <a:lvl2pPr algn="l" defTabSz="457200" eaLnBrk="1" hangingPunct="1" latinLnBrk="0" marL="457200" rtl="0">
+      <a:defRPr kern="1200" sz="1800">
         <a:solidFill>
           <a:schemeClr val="tx1"/>
         </a:solidFill>
@@ -101,8 +101,8 @@
         <a:cs typeface="+mn-cs"/>
       </a:defRPr>
     </a:lvl2pPr>
-    <a:lvl3pPr marL="914400" algn="l" defTabSz="457200" rtl="0" eaLnBrk="1" latinLnBrk="0" hangingPunct="1">
-      <a:defRPr sz="1800" kern="1200">
+    <a:lvl3pPr algn="l" defTabSz="457200" eaLnBrk="1" hangingPunct="1" latinLnBrk="0" marL="914400" rtl="0">
+      <a:defRPr kern="1200" sz="1800">
         <a:solidFill>
           <a:schemeClr val="tx1"/>
         </a:solidFill>
@@ -111,8 +111,8 @@
         <a:cs typeface="+mn-cs"/>
       </a:defRPr>
     </a:lvl3pPr>
-    <a:lvl4pPr marL="1371600" algn="l" defTabSz="457200" rtl="0" eaLnBrk="1" latinLnBrk="0" hangingPunct="1">
-      <a:defRPr sz="1800" kern="1200">
+    <a:lvl4pPr algn="l" defTabSz="457200" eaLnBrk="1" hangingPunct="1" latinLnBrk="0" marL="1371600" rtl="0">
+      <a:defRPr kern="1200" sz="1800">
         <a:solidFill>
           <a:schemeClr val="tx1"/>
         </a:solidFill>
@@ -121,8 +121,8 @@
         <a:cs typeface="+mn-cs"/>
       </a:defRPr>
     </a:lvl4pPr>
-    <a:lvl5pPr marL="1828800" algn="l" defTabSz="457200" rtl="0" eaLnBrk="1" latinLnBrk="0" hangingPunct="1">
-      <a:defRPr sz="1800" kern="1200">
+    <a:lvl5pPr algn="l" defTabSz="457200" eaLnBrk="1" hangingPunct="1" latinLnBrk="0" marL="1828800" rtl="0">
+      <a:defRPr kern="1200" sz="1800">
         <a:solidFill>
           <a:schemeClr val="tx1"/>
         </a:solidFill>
@@ -131,8 +131,8 @@
         <a:cs typeface="+mn-cs"/>
       </a:defRPr>
     </a:lvl5pPr>
-    <a:lvl6pPr marL="2286000" algn="l" defTabSz="457200" rtl="0" eaLnBrk="1" latinLnBrk="0" hangingPunct="1">
-      <a:defRPr sz="1800" kern="1200">
+    <a:lvl6pPr algn="l" defTabSz="457200" eaLnBrk="1" hangingPunct="1" latinLnBrk="0" marL="2286000" rtl="0">
+      <a:defRPr kern="1200" sz="1800">
         <a:solidFill>
           <a:schemeClr val="tx1"/>
         </a:solidFill>
@@ -141,8 +141,8 @@
         <a:cs typeface="+mn-cs"/>
       </a:defRPr>
     </a:lvl6pPr>
-    <a:lvl7pPr marL="2743200" algn="l" defTabSz="457200" rtl="0" eaLnBrk="1" latinLnBrk="0" hangingPunct="1">
-      <a:defRPr sz="1800" kern="1200">
+    <a:lvl7pPr algn="l" defTabSz="457200" eaLnBrk="1" hangingPunct="1" latinLnBrk="0" marL="2743200" rtl="0">
+      <a:defRPr kern="1200" sz="1800">
         <a:solidFill>
           <a:schemeClr val="tx1"/>
         </a:solidFill>
@@ -151,8 +151,8 @@
         <a:cs typeface="+mn-cs"/>
       </a:defRPr>
     </a:lvl7pPr>
-    <a:lvl8pPr marL="3200400" algn="l" defTabSz="457200" rtl="0" eaLnBrk="1" latinLnBrk="0" hangingPunct="1">
-      <a:defRPr sz="1800" kern="1200">
+    <a:lvl8pPr algn="l" defTabSz="457200" eaLnBrk="1" hangingPunct="1" latinLnBrk="0" marL="3200400" rtl="0">
+      <a:defRPr kern="1200" sz="1800">
         <a:solidFill>
           <a:schemeClr val="tx1"/>
         </a:solidFill>
@@ -161,8 +161,8 @@
         <a:cs typeface="+mn-cs"/>
       </a:defRPr>
     </a:lvl8pPr>
-    <a:lvl9pPr marL="3657600" algn="l" defTabSz="457200" rtl="0" eaLnBrk="1" latinLnBrk="0" hangingPunct="1">
-      <a:defRPr sz="1800" kern="1200">
+    <a:lvl9pPr algn="l" defTabSz="457200" eaLnBrk="1" hangingPunct="1" latinLnBrk="0" marL="3657600" rtl="0">
+      <a:defRPr kern="1200" sz="1800">
         <a:solidFill>
           <a:schemeClr val="tx1"/>
         </a:solidFill>
@@ -844,7 +844,7 @@
             </a:pPr>
             <a:r>
               <a:rPr/>
-              <a:t>"Practical</a:t>
+              <a:t>“Practical</a:t>
             </a:r>
             <a:r>
               <a:rPr/>
@@ -57810,7 +57810,7 @@
             <a:spLocks noGrp="1"/>
           </p:cNvSpPr>
           <p:nvPr>
-            <p:ph type="subTitle" idx="1"/>
+            <p:ph idx="1" type="subTitle"/>
           </p:nvPr>
         </p:nvSpPr>
         <p:spPr>
@@ -57962,8 +57962,8 @@
         </p:blipFill>
         <p:spPr bwMode="auto">
           <a:xfrm>
-            <a:off x="889000" y="1600200"/>
-            <a:ext cx="3162300" cy="4521200"/>
+            <a:off x="457200" y="2349500"/>
+            <a:ext cx="4038600" cy="3022600"/>
           </a:xfrm>
           <a:prstGeom prst="rect">
             <a:avLst/>
@@ -60395,8 +60395,8 @@
         </p:blipFill>
         <p:spPr bwMode="auto">
           <a:xfrm>
-            <a:off x="889000" y="1600200"/>
-            <a:ext cx="3162300" cy="4521200"/>
+            <a:off x="457200" y="2349500"/>
+            <a:ext cx="4038600" cy="3022600"/>
           </a:xfrm>
           <a:prstGeom prst="rect">
             <a:avLst/>
@@ -60416,7 +60416,7 @@
             <a:spLocks noGrp="1"/>
           </p:cNvSpPr>
           <p:nvPr>
-            <p:ph sz="half" idx="2"/>
+            <p:ph idx="2" sz="half"/>
           </p:nvPr>
         </p:nvSpPr>
         <p:spPr/>
@@ -62647,7 +62647,7 @@
             <a:spLocks noGrp="1"/>
           </p:cNvSpPr>
           <p:nvPr>
-            <p:ph sz="half" idx="1"/>
+            <p:ph idx="1" sz="half"/>
           </p:nvPr>
         </p:nvSpPr>
         <p:spPr/>
@@ -62691,7 +62691,7 @@
             <a:spLocks noGrp="1"/>
           </p:cNvSpPr>
           <p:nvPr>
-            <p:ph sz="half" idx="2"/>
+            <p:ph idx="2" sz="half"/>
           </p:nvPr>
         </p:nvSpPr>
         <p:spPr/>
@@ -65279,8 +65279,8 @@
         </p:blipFill>
         <p:spPr bwMode="auto">
           <a:xfrm>
-            <a:off x="2311400" y="1600200"/>
-            <a:ext cx="4521200" cy="4521200"/>
+            <a:off x="1130300" y="1600200"/>
+            <a:ext cx="6883400" cy="4521200"/>
           </a:xfrm>
           <a:prstGeom prst="rect">
             <a:avLst/>
@@ -66531,7 +66531,7 @@
             <a:spLocks noGrp="1"/>
           </p:cNvSpPr>
           <p:nvPr>
-            <p:ph sz="half" idx="1"/>
+            <p:ph idx="1" sz="half"/>
           </p:nvPr>
         </p:nvSpPr>
         <p:spPr/>
@@ -66575,7 +66575,7 @@
             <a:spLocks noGrp="1"/>
           </p:cNvSpPr>
           <p:nvPr>
-            <p:ph sz="half" idx="2"/>
+            <p:ph idx="2" sz="half"/>
           </p:nvPr>
         </p:nvSpPr>
         <p:spPr/>
@@ -66880,8 +66880,8 @@
         </p:blipFill>
         <p:spPr bwMode="auto">
           <a:xfrm>
-            <a:off x="4648200" y="1841500"/>
-            <a:ext cx="4038600" cy="4038600"/>
+            <a:off x="4648200" y="2540000"/>
+            <a:ext cx="4038600" cy="2654300"/>
           </a:xfrm>
           <a:prstGeom prst="rect">
             <a:avLst/>
